--- a/course_project/submissions/project_presentation.pptx
+++ b/course_project/submissions/project_presentation.pptx
@@ -3557,7 +3557,12 @@
             <p:ph idx="1"/>
           </p:nvPr>
         </p:nvSpPr>
-        <p:spPr/>
+        <p:spPr>
+          <a:xfrm>
+            <a:off x="838200" y="1825625"/>
+            <a:ext cx="10515600" cy="3503120"/>
+          </a:xfrm>
+        </p:spPr>
         <p:txBody>
           <a:bodyPr/>
           <a:lstStyle/>
@@ -5446,8 +5451,8 @@
         </p:nvSpPr>
         <p:spPr>
           <a:xfrm>
-            <a:off x="838200" y="1258072"/>
-            <a:ext cx="10515600" cy="4806398"/>
+            <a:off x="785650" y="1025801"/>
+            <a:ext cx="10691648" cy="5406530"/>
           </a:xfrm>
         </p:spPr>
         <p:txBody>
@@ -5458,7 +5463,7 @@
           <a:p>
             <a:r>
               <a:rPr lang="en-US" dirty="0"/>
-              <a:t>Four types of models tested (so far)</a:t>
+              <a:t>Four types of models tested (so far). All predictors from prior slide included.</a:t>
             </a:r>
           </a:p>
           <a:p>
@@ -5502,6 +5507,12 @@
             </a:r>
           </a:p>
           <a:p>
+            <a:pPr marL="457200" lvl="1" indent="0">
+              <a:buNone/>
+            </a:pPr>
+            <a:endParaRPr lang="en-US" dirty="0"/>
+          </a:p>
+          <a:p>
             <a:r>
               <a:rPr lang="en-US" dirty="0"/>
               <a:t>100-fold Monte Carlo cross validation used on train set (due to small sample size) to determine best model based on RMSE.</a:t>
@@ -5536,6 +5547,12 @@
               <a:rPr lang="en-US" dirty="0"/>
               <a:t>Random Forest hyperparameters: tree size, and number of predictors considered</a:t>
             </a:r>
+          </a:p>
+          <a:p>
+            <a:pPr marL="914400" lvl="2" indent="0">
+              <a:buNone/>
+            </a:pPr>
+            <a:endParaRPr lang="en-US" dirty="0"/>
           </a:p>
           <a:p>
             <a:r>
@@ -6035,6 +6052,324 @@
           </a:p>
         </p:txBody>
       </p:sp>
+      <p:graphicFrame>
+        <p:nvGraphicFramePr>
+          <p:cNvPr id="2" name="Table 2">
+            <a:extLst>
+              <a:ext uri="{FF2B5EF4-FFF2-40B4-BE49-F238E27FC236}">
+                <a16:creationId xmlns:a16="http://schemas.microsoft.com/office/drawing/2014/main" id="{3DF664AB-A935-D04D-9711-F6F2AEBD6F6E}"/>
+              </a:ext>
+            </a:extLst>
+          </p:cNvPr>
+          <p:cNvGraphicFramePr>
+            <a:graphicFrameLocks noGrp="1"/>
+          </p:cNvGraphicFramePr>
+          <p:nvPr>
+            <p:extLst>
+              <p:ext uri="{D42A27DB-BD31-4B8C-83A1-F6EECF244321}">
+                <p14:modId xmlns:p14="http://schemas.microsoft.com/office/powerpoint/2010/main" val="2499222124"/>
+              </p:ext>
+            </p:extLst>
+          </p:nvPr>
+        </p:nvGraphicFramePr>
+        <p:xfrm>
+          <a:off x="1460937" y="1840101"/>
+          <a:ext cx="9606456" cy="1651000"/>
+        </p:xfrm>
+        <a:graphic>
+          <a:graphicData uri="http://schemas.openxmlformats.org/drawingml/2006/table">
+            <a:tbl>
+              <a:tblPr firstRow="1" bandRow="1">
+                <a:tableStyleId>{5C22544A-7EE6-4342-B048-85BDC9FD1C3A}</a:tableStyleId>
+              </a:tblPr>
+              <a:tblGrid>
+                <a:gridCol w="2401614">
+                  <a:extLst>
+                    <a:ext uri="{9D8B030D-6E8A-4147-A177-3AD203B41FA5}">
+                      <a16:colId xmlns:a16="http://schemas.microsoft.com/office/drawing/2014/main" val="532486346"/>
+                    </a:ext>
+                  </a:extLst>
+                </a:gridCol>
+                <a:gridCol w="1360697">
+                  <a:extLst>
+                    <a:ext uri="{9D8B030D-6E8A-4147-A177-3AD203B41FA5}">
+                      <a16:colId xmlns:a16="http://schemas.microsoft.com/office/drawing/2014/main" val="314206484"/>
+                    </a:ext>
+                  </a:extLst>
+                </a:gridCol>
+                <a:gridCol w="2049911">
+                  <a:extLst>
+                    <a:ext uri="{9D8B030D-6E8A-4147-A177-3AD203B41FA5}">
+                      <a16:colId xmlns:a16="http://schemas.microsoft.com/office/drawing/2014/main" val="3577256887"/>
+                    </a:ext>
+                  </a:extLst>
+                </a:gridCol>
+                <a:gridCol w="3794234">
+                  <a:extLst>
+                    <a:ext uri="{9D8B030D-6E8A-4147-A177-3AD203B41FA5}">
+                      <a16:colId xmlns:a16="http://schemas.microsoft.com/office/drawing/2014/main" val="161580228"/>
+                    </a:ext>
+                  </a:extLst>
+                </a:gridCol>
+              </a:tblGrid>
+              <a:tr h="347542">
+                <a:tc>
+                  <a:txBody>
+                    <a:bodyPr/>
+                    <a:lstStyle/>
+                    <a:p>
+                      <a:pPr algn="ctr"/>
+                      <a:endParaRPr lang="en-US" dirty="0"/>
+                    </a:p>
+                  </a:txBody>
+                  <a:tcPr/>
+                </a:tc>
+                <a:tc>
+                  <a:txBody>
+                    <a:bodyPr/>
+                    <a:lstStyle/>
+                    <a:p>
+                      <a:pPr algn="ctr"/>
+                      <a:r>
+                        <a:rPr lang="en-US" dirty="0"/>
+                        <a:t>N</a:t>
+                      </a:r>
+                    </a:p>
+                  </a:txBody>
+                  <a:tcPr/>
+                </a:tc>
+                <a:tc>
+                  <a:txBody>
+                    <a:bodyPr/>
+                    <a:lstStyle/>
+                    <a:p>
+                      <a:pPr algn="ctr"/>
+                      <a:r>
+                        <a:rPr lang="en-US" dirty="0"/>
+                        <a:t>Log RMSE</a:t>
+                      </a:r>
+                    </a:p>
+                  </a:txBody>
+                  <a:tcPr/>
+                </a:tc>
+                <a:tc>
+                  <a:txBody>
+                    <a:bodyPr/>
+                    <a:lstStyle/>
+                    <a:p>
+                      <a:pPr algn="ctr"/>
+                      <a:r>
+                        <a:rPr lang="en-US" dirty="0"/>
+                        <a:t>Average Percentage Error*</a:t>
+                      </a:r>
+                    </a:p>
+                    <a:p>
+                      <a:pPr algn="ctr"/>
+                      <a:r>
+                        <a:rPr lang="en-US" dirty="0"/>
+                        <a:t>(Prediction - </a:t>
+                      </a:r>
+                      <a:r>
+                        <a:rPr lang="en-US" dirty="0" err="1"/>
+                        <a:t>SalePrice</a:t>
+                      </a:r>
+                      <a:r>
+                        <a:rPr lang="en-US" dirty="0"/>
+                        <a:t>)/</a:t>
+                      </a:r>
+                      <a:r>
+                        <a:rPr lang="en-US" dirty="0" err="1"/>
+                        <a:t>SalePrice</a:t>
+                      </a:r>
+                      <a:endParaRPr lang="en-US" dirty="0"/>
+                    </a:p>
+                  </a:txBody>
+                  <a:tcPr/>
+                </a:tc>
+                <a:extLst>
+                  <a:ext uri="{0D108BD9-81ED-4DB2-BD59-A6C34878D82A}">
+                    <a16:rowId xmlns:a16="http://schemas.microsoft.com/office/drawing/2014/main" val="2974765237"/>
+                  </a:ext>
+                </a:extLst>
+              </a:tr>
+              <a:tr h="370840">
+                <a:tc>
+                  <a:txBody>
+                    <a:bodyPr/>
+                    <a:lstStyle/>
+                    <a:p>
+                      <a:pPr algn="ctr"/>
+                      <a:r>
+                        <a:rPr lang="en-US" dirty="0"/>
+                        <a:t>Full Train Set after cross validation</a:t>
+                      </a:r>
+                    </a:p>
+                  </a:txBody>
+                  <a:tcPr/>
+                </a:tc>
+                <a:tc>
+                  <a:txBody>
+                    <a:bodyPr/>
+                    <a:lstStyle/>
+                    <a:p>
+                      <a:pPr algn="ctr"/>
+                      <a:r>
+                        <a:rPr lang="en-US" dirty="0"/>
+                        <a:t>1,460</a:t>
+                      </a:r>
+                    </a:p>
+                  </a:txBody>
+                  <a:tcPr/>
+                </a:tc>
+                <a:tc>
+                  <a:txBody>
+                    <a:bodyPr/>
+                    <a:lstStyle/>
+                    <a:p>
+                      <a:pPr algn="ctr"/>
+                      <a:r>
+                        <a:rPr lang="en-US" dirty="0"/>
+                        <a:t>0.142</a:t>
+                      </a:r>
+                    </a:p>
+                  </a:txBody>
+                  <a:tcPr/>
+                </a:tc>
+                <a:tc>
+                  <a:txBody>
+                    <a:bodyPr/>
+                    <a:lstStyle/>
+                    <a:p>
+                      <a:pPr algn="ctr"/>
+                      <a:r>
+                        <a:rPr lang="en-US" dirty="0"/>
+                        <a:t>+/- 10.65%</a:t>
+                      </a:r>
+                    </a:p>
+                  </a:txBody>
+                  <a:tcPr/>
+                </a:tc>
+                <a:extLst>
+                  <a:ext uri="{0D108BD9-81ED-4DB2-BD59-A6C34878D82A}">
+                    <a16:rowId xmlns:a16="http://schemas.microsoft.com/office/drawing/2014/main" val="1086145268"/>
+                  </a:ext>
+                </a:extLst>
+              </a:tr>
+              <a:tr h="370840">
+                <a:tc>
+                  <a:txBody>
+                    <a:bodyPr/>
+                    <a:lstStyle/>
+                    <a:p>
+                      <a:pPr algn="ctr"/>
+                      <a:r>
+                        <a:rPr lang="en-US" dirty="0"/>
+                        <a:t>Test Set</a:t>
+                      </a:r>
+                    </a:p>
+                  </a:txBody>
+                  <a:tcPr/>
+                </a:tc>
+                <a:tc>
+                  <a:txBody>
+                    <a:bodyPr/>
+                    <a:lstStyle/>
+                    <a:p>
+                      <a:pPr algn="ctr"/>
+                      <a:r>
+                        <a:rPr lang="en-US" dirty="0"/>
+                        <a:t>1,459</a:t>
+                      </a:r>
+                    </a:p>
+                  </a:txBody>
+                  <a:tcPr/>
+                </a:tc>
+                <a:tc>
+                  <a:txBody>
+                    <a:bodyPr/>
+                    <a:lstStyle/>
+                    <a:p>
+                      <a:pPr algn="ctr"/>
+                      <a:r>
+                        <a:rPr lang="en-US" dirty="0"/>
+                        <a:t>0.172</a:t>
+                      </a:r>
+                    </a:p>
+                  </a:txBody>
+                  <a:tcPr/>
+                </a:tc>
+                <a:tc>
+                  <a:txBody>
+                    <a:bodyPr/>
+                    <a:lstStyle/>
+                    <a:p>
+                      <a:pPr algn="ctr"/>
+                      <a:r>
+                        <a:rPr lang="en-US" dirty="0"/>
+                        <a:t>Unknown</a:t>
+                      </a:r>
+                    </a:p>
+                  </a:txBody>
+                  <a:tcPr/>
+                </a:tc>
+                <a:extLst>
+                  <a:ext uri="{0D108BD9-81ED-4DB2-BD59-A6C34878D82A}">
+                    <a16:rowId xmlns:a16="http://schemas.microsoft.com/office/drawing/2014/main" val="3609497726"/>
+                  </a:ext>
+                </a:extLst>
+              </a:tr>
+            </a:tbl>
+          </a:graphicData>
+        </a:graphic>
+      </p:graphicFrame>
+      <p:sp>
+        <p:nvSpPr>
+          <p:cNvPr id="3" name="TextBox 2">
+            <a:extLst>
+              <a:ext uri="{FF2B5EF4-FFF2-40B4-BE49-F238E27FC236}">
+                <a16:creationId xmlns:a16="http://schemas.microsoft.com/office/drawing/2014/main" id="{9EFF8674-E0C0-4042-8D5A-45BB7032F5D6}"/>
+              </a:ext>
+            </a:extLst>
+          </p:cNvPr>
+          <p:cNvSpPr txBox="1"/>
+          <p:nvPr/>
+        </p:nvSpPr>
+        <p:spPr>
+          <a:xfrm>
+            <a:off x="1613337" y="3703571"/>
+            <a:ext cx="9301656" cy="2031325"/>
+          </a:xfrm>
+          <a:prstGeom prst="rect">
+            <a:avLst/>
+          </a:prstGeom>
+          <a:noFill/>
+        </p:spPr>
+        <p:txBody>
+          <a:bodyPr wrap="square" rtlCol="0">
+            <a:spAutoFit/>
+          </a:bodyPr>
+          <a:lstStyle/>
+          <a:p>
+            <a:r>
+              <a:rPr lang="en-US" u="sng" dirty="0"/>
+              <a:t>Average Percentage Error</a:t>
+            </a:r>
+            <a:r>
+              <a:rPr lang="en-US" dirty="0"/>
+              <a:t>: I transformed the predicted log sale price to the predicted sale price to get the average percentage error on the train set. This is easier to understand than RMSE in my opinion. For an actual sale price of $265,000, a 10.65% error equates to +/- $28,222.50</a:t>
+            </a:r>
+          </a:p>
+          <a:p>
+            <a:endParaRPr lang="en-US" dirty="0"/>
+          </a:p>
+          <a:p>
+            <a:r>
+              <a:rPr lang="en-US" dirty="0"/>
+              <a:t>* I couldn’t calculate an average percentage error for the test set, since they don’t provide the sale price for the test data on Kaggle. Based on the higher RMSE on the test set relative to the train set, the percent error is clearly higher than 10.65% on average.</a:t>
+            </a:r>
+          </a:p>
+        </p:txBody>
+      </p:sp>
     </p:spTree>
     <p:extLst>
       <p:ext uri="{BB962C8B-B14F-4D97-AF65-F5344CB8AC3E}">
@@ -6081,8 +6416,8 @@
         </p:nvSpPr>
         <p:spPr>
           <a:xfrm>
-            <a:off x="838200" y="7778"/>
-            <a:ext cx="10515600" cy="1325563"/>
+            <a:off x="838200" y="81349"/>
+            <a:ext cx="10515600" cy="734242"/>
           </a:xfrm>
           <a:prstGeom prst="rect">
             <a:avLst/>
@@ -6115,6 +6450,116 @@
             <a:r>
               <a:rPr lang="en-US" b="1" dirty="0"/>
               <a:t>Conclusions</a:t>
+            </a:r>
+          </a:p>
+        </p:txBody>
+      </p:sp>
+      <p:sp>
+        <p:nvSpPr>
+          <p:cNvPr id="3" name="Content Placeholder 2">
+            <a:extLst>
+              <a:ext uri="{FF2B5EF4-FFF2-40B4-BE49-F238E27FC236}">
+                <a16:creationId xmlns:a16="http://schemas.microsoft.com/office/drawing/2014/main" id="{0A9D0A13-71C4-394F-AA21-8D6C4913F523}"/>
+              </a:ext>
+            </a:extLst>
+          </p:cNvPr>
+          <p:cNvSpPr>
+            <a:spLocks noGrp="1"/>
+          </p:cNvSpPr>
+          <p:nvPr>
+            <p:ph idx="1"/>
+          </p:nvPr>
+        </p:nvSpPr>
+        <p:spPr>
+          <a:xfrm>
+            <a:off x="744920" y="899676"/>
+            <a:ext cx="10702159" cy="5784904"/>
+          </a:xfrm>
+        </p:spPr>
+        <p:txBody>
+          <a:bodyPr>
+            <a:normAutofit/>
+          </a:bodyPr>
+          <a:lstStyle/>
+          <a:p>
+            <a:r>
+              <a:rPr lang="en-US" dirty="0"/>
+              <a:t>Linear models performed better than nonlinear Random Forest model.</a:t>
+            </a:r>
+          </a:p>
+          <a:p>
+            <a:pPr lvl="1">
+              <a:buFont typeface="Courier New" panose="02070309020205020404" pitchFamily="49" charset="0"/>
+              <a:buChar char="o"/>
+            </a:pPr>
+            <a:r>
+              <a:rPr lang="en-US" dirty="0"/>
+              <a:t>This is indicative of linear associations between the predicting variables and the response variable.</a:t>
+            </a:r>
+          </a:p>
+          <a:p>
+            <a:pPr marL="457200" lvl="1" indent="0">
+              <a:buNone/>
+            </a:pPr>
+            <a:endParaRPr lang="en-US" dirty="0"/>
+          </a:p>
+          <a:p>
+            <a:r>
+              <a:rPr lang="en-US" dirty="0"/>
+              <a:t>RMSE was noticeably poorer on the test set relative to train set, indicative of an overfit of the train set.</a:t>
+            </a:r>
+          </a:p>
+          <a:p>
+            <a:pPr lvl="1">
+              <a:buFont typeface="Courier New" panose="02070309020205020404" pitchFamily="49" charset="0"/>
+              <a:buChar char="o"/>
+            </a:pPr>
+            <a:r>
+              <a:rPr lang="en-US" dirty="0"/>
+              <a:t>This was surprising considering ridge regression didn’t show signs of overfitting in the Monte Carlo cross validation analysis on the train set.</a:t>
+            </a:r>
+          </a:p>
+          <a:p>
+            <a:pPr>
+              <a:buFont typeface="Courier New" panose="02070309020205020404" pitchFamily="49" charset="0"/>
+              <a:buChar char="o"/>
+            </a:pPr>
+            <a:endParaRPr lang="en-US" dirty="0"/>
+          </a:p>
+          <a:p>
+            <a:r>
+              <a:rPr lang="en-US" dirty="0"/>
+              <a:t>Predicted sale price was 10.6% worse than actual sale price on average. </a:t>
+            </a:r>
+          </a:p>
+          <a:p>
+            <a:pPr lvl="1">
+              <a:buFont typeface="Courier New" panose="02070309020205020404" pitchFamily="49" charset="0"/>
+              <a:buChar char="o"/>
+            </a:pPr>
+            <a:r>
+              <a:rPr lang="en-US" dirty="0"/>
+              <a:t>Probably not good enough for a real estate website.</a:t>
+            </a:r>
+          </a:p>
+          <a:p>
+            <a:pPr lvl="1">
+              <a:buFont typeface="Courier New" panose="02070309020205020404" pitchFamily="49" charset="0"/>
+              <a:buChar char="o"/>
+            </a:pPr>
+            <a:r>
+              <a:rPr lang="en-US" dirty="0"/>
+              <a:t>Ranked in the bottom third of the Kaggle submissions.</a:t>
+            </a:r>
+          </a:p>
+          <a:p>
+            <a:pPr lvl="1">
+              <a:buFont typeface="Courier New" panose="02070309020205020404" pitchFamily="49" charset="0"/>
+              <a:buChar char="o"/>
+            </a:pPr>
+            <a:r>
+              <a:rPr lang="en-US" dirty="0"/>
+              <a:t>Hoping to improve performance for final submission by including other relevant predictors.</a:t>
             </a:r>
           </a:p>
         </p:txBody>

--- a/course_project/submissions/project_presentation.pptx
+++ b/course_project/submissions/project_presentation.pptx
@@ -111,6 +111,11 @@
       </a:defRPr>
     </a:lvl9pPr>
   </p:defaultTextStyle>
+  <p:extLst>
+    <p:ext uri="{EFAFB233-063F-42B5-8137-9DF3F51BA10A}">
+      <p15:sldGuideLst xmlns:p15="http://schemas.microsoft.com/office/powerpoint/2012/main"/>
+    </p:ext>
+  </p:extLst>
 </p:presentation>
 </file>
 
@@ -261,7 +266,7 @@
           <a:p>
             <a:fld id="{2F97AEB4-988A-524D-BF0A-88071E08C198}" type="datetimeFigureOut">
               <a:rPr lang="en-US" smtClean="0"/>
-              <a:t>11/21/21</a:t>
+              <a:t>11/22/21</a:t>
             </a:fld>
             <a:endParaRPr lang="en-US"/>
           </a:p>
@@ -459,7 +464,7 @@
           <a:p>
             <a:fld id="{2F97AEB4-988A-524D-BF0A-88071E08C198}" type="datetimeFigureOut">
               <a:rPr lang="en-US" smtClean="0"/>
-              <a:t>11/21/21</a:t>
+              <a:t>11/22/21</a:t>
             </a:fld>
             <a:endParaRPr lang="en-US"/>
           </a:p>
@@ -667,7 +672,7 @@
           <a:p>
             <a:fld id="{2F97AEB4-988A-524D-BF0A-88071E08C198}" type="datetimeFigureOut">
               <a:rPr lang="en-US" smtClean="0"/>
-              <a:t>11/21/21</a:t>
+              <a:t>11/22/21</a:t>
             </a:fld>
             <a:endParaRPr lang="en-US"/>
           </a:p>
@@ -865,7 +870,7 @@
           <a:p>
             <a:fld id="{2F97AEB4-988A-524D-BF0A-88071E08C198}" type="datetimeFigureOut">
               <a:rPr lang="en-US" smtClean="0"/>
-              <a:t>11/21/21</a:t>
+              <a:t>11/22/21</a:t>
             </a:fld>
             <a:endParaRPr lang="en-US"/>
           </a:p>
@@ -1140,7 +1145,7 @@
           <a:p>
             <a:fld id="{2F97AEB4-988A-524D-BF0A-88071E08C198}" type="datetimeFigureOut">
               <a:rPr lang="en-US" smtClean="0"/>
-              <a:t>11/21/21</a:t>
+              <a:t>11/22/21</a:t>
             </a:fld>
             <a:endParaRPr lang="en-US"/>
           </a:p>
@@ -1405,7 +1410,7 @@
           <a:p>
             <a:fld id="{2F97AEB4-988A-524D-BF0A-88071E08C198}" type="datetimeFigureOut">
               <a:rPr lang="en-US" smtClean="0"/>
-              <a:t>11/21/21</a:t>
+              <a:t>11/22/21</a:t>
             </a:fld>
             <a:endParaRPr lang="en-US"/>
           </a:p>
@@ -1817,7 +1822,7 @@
           <a:p>
             <a:fld id="{2F97AEB4-988A-524D-BF0A-88071E08C198}" type="datetimeFigureOut">
               <a:rPr lang="en-US" smtClean="0"/>
-              <a:t>11/21/21</a:t>
+              <a:t>11/22/21</a:t>
             </a:fld>
             <a:endParaRPr lang="en-US"/>
           </a:p>
@@ -1958,7 +1963,7 @@
           <a:p>
             <a:fld id="{2F97AEB4-988A-524D-BF0A-88071E08C198}" type="datetimeFigureOut">
               <a:rPr lang="en-US" smtClean="0"/>
-              <a:t>11/21/21</a:t>
+              <a:t>11/22/21</a:t>
             </a:fld>
             <a:endParaRPr lang="en-US"/>
           </a:p>
@@ -2071,7 +2076,7 @@
           <a:p>
             <a:fld id="{2F97AEB4-988A-524D-BF0A-88071E08C198}" type="datetimeFigureOut">
               <a:rPr lang="en-US" smtClean="0"/>
-              <a:t>11/21/21</a:t>
+              <a:t>11/22/21</a:t>
             </a:fld>
             <a:endParaRPr lang="en-US"/>
           </a:p>
@@ -2382,7 +2387,7 @@
           <a:p>
             <a:fld id="{2F97AEB4-988A-524D-BF0A-88071E08C198}" type="datetimeFigureOut">
               <a:rPr lang="en-US" smtClean="0"/>
-              <a:t>11/21/21</a:t>
+              <a:t>11/22/21</a:t>
             </a:fld>
             <a:endParaRPr lang="en-US"/>
           </a:p>
@@ -2670,7 +2675,7 @@
           <a:p>
             <a:fld id="{2F97AEB4-988A-524D-BF0A-88071E08C198}" type="datetimeFigureOut">
               <a:rPr lang="en-US" smtClean="0"/>
-              <a:t>11/21/21</a:t>
+              <a:t>11/22/21</a:t>
             </a:fld>
             <a:endParaRPr lang="en-US"/>
           </a:p>
@@ -2911,7 +2916,7 @@
           <a:p>
             <a:fld id="{2F97AEB4-988A-524D-BF0A-88071E08C198}" type="datetimeFigureOut">
               <a:rPr lang="en-US" smtClean="0"/>
-              <a:t>11/21/21</a:t>
+              <a:t>11/22/21</a:t>
             </a:fld>
             <a:endParaRPr lang="en-US"/>
           </a:p>
@@ -6351,8 +6356,12 @@
           <a:lstStyle/>
           <a:p>
             <a:r>
+              <a:rPr lang="en-US" dirty="0"/>
+              <a:t>*</a:t>
+            </a:r>
+            <a:r>
               <a:rPr lang="en-US" u="sng" dirty="0"/>
-              <a:t>Average Percentage Error</a:t>
+              <a:t> Average Percentage Error</a:t>
             </a:r>
             <a:r>
               <a:rPr lang="en-US" dirty="0"/>
@@ -6365,7 +6374,7 @@
           <a:p>
             <a:r>
               <a:rPr lang="en-US" dirty="0"/>
-              <a:t>* I couldn’t calculate an average percentage error for the test set, since they don’t provide the sale price for the test data on Kaggle. Based on the higher RMSE on the test set relative to the train set, the percent error is clearly higher than 10.65% on average.</a:t>
+              <a:t>- I couldn’t calculate an average percentage error for the test set, since they don’t provide the sale price for the test data on Kaggle. Based on the higher RMSE on the test set relative to the train set, the percent error is clearly higher than 10.65% on average.</a:t>
             </a:r>
           </a:p>
         </p:txBody>
